--- a/Presentation Documents/Final defense(0615).pptx
+++ b/Presentation Documents/Final defense(0615).pptx
@@ -7825,7 +7825,11 @@
             </a:br>
             <a:r>
               <a:rPr lang="en-US" dirty="0" smtClean="0"/>
-              <a:t>Preliminary Project Report</a:t>
+              <a:t>Final </a:t>
+            </a:r>
+            <a:r>
+              <a:rPr lang="en-US" dirty="0" smtClean="0"/>
+              <a:t>Project Report</a:t>
             </a:r>
             <a:endParaRPr lang="en-US" dirty="0"/>
           </a:p>
@@ -8623,6 +8627,13 @@
       </p:transition>
     </mc:Fallback>
   </mc:AlternateContent>
+  <p:timing>
+    <p:tnLst>
+      <p:par>
+        <p:cTn id="1" dur="indefinite" restart="never" nodeType="tmRoot"/>
+      </p:par>
+    </p:tnLst>
+  </p:timing>
 </p:sld>
 </file>
 
@@ -9882,6 +9893,13 @@
       </p:transition>
     </mc:Fallback>
   </mc:AlternateContent>
+  <p:timing>
+    <p:tnLst>
+      <p:par>
+        <p:cTn id="1" dur="indefinite" restart="never" nodeType="tmRoot"/>
+      </p:par>
+    </p:tnLst>
+  </p:timing>
 </p:sld>
 </file>
 
@@ -10087,6 +10105,13 @@
       </p:transition>
     </mc:Fallback>
   </mc:AlternateContent>
+  <p:timing>
+    <p:tnLst>
+      <p:par>
+        <p:cTn id="1" dur="indefinite" restart="never" nodeType="tmRoot"/>
+      </p:par>
+    </p:tnLst>
+  </p:timing>
 </p:sld>
 </file>
 
@@ -10778,6 +10803,13 @@
       </p:transition>
     </mc:Fallback>
   </mc:AlternateContent>
+  <p:timing>
+    <p:tnLst>
+      <p:par>
+        <p:cTn id="1" dur="indefinite" restart="never" nodeType="tmRoot"/>
+      </p:par>
+    </p:tnLst>
+  </p:timing>
 </p:sld>
 </file>
 
@@ -12124,6 +12156,13 @@
       </p:transition>
     </mc:Fallback>
   </mc:AlternateContent>
+  <p:timing>
+    <p:tnLst>
+      <p:par>
+        <p:cTn id="1" dur="indefinite" restart="never" nodeType="tmRoot"/>
+      </p:par>
+    </p:tnLst>
+  </p:timing>
 </p:sld>
 </file>
 
@@ -12279,7 +12318,6 @@
               <a:rPr lang="en-US" dirty="0"/>
               <a:t>Precision and recall graph for BD Travelers</a:t>
             </a:r>
-            <a:endParaRPr lang="en-US" dirty="0"/>
           </a:p>
         </p:txBody>
       </p:sp>
@@ -12327,6 +12365,13 @@
       </p:transition>
     </mc:Fallback>
   </mc:AlternateContent>
+  <p:timing>
+    <p:tnLst>
+      <p:par>
+        <p:cTn id="1" dur="indefinite" restart="never" nodeType="tmRoot"/>
+      </p:par>
+    </p:tnLst>
+  </p:timing>
 </p:sld>
 </file>
 
@@ -13577,7 +13622,6 @@
               <a:rPr lang="en-US" dirty="0" smtClean="0"/>
               <a:t>Achievements</a:t>
             </a:r>
-            <a:endParaRPr lang="en-US" dirty="0" smtClean="0"/>
           </a:p>
           <a:p>
             <a:r>
@@ -13999,6 +14043,13 @@
       </p:transition>
     </mc:Fallback>
   </mc:AlternateContent>
+  <p:timing>
+    <p:tnLst>
+      <p:par>
+        <p:cTn id="1" dur="indefinite" restart="never" nodeType="tmRoot"/>
+      </p:par>
+    </p:tnLst>
+  </p:timing>
 </p:sld>
 </file>
 
@@ -14200,7 +14251,7 @@
           <a:graphicData uri="http://schemas.openxmlformats.org/presentationml/2006/ole">
             <mc:AlternateContent xmlns:mc="http://schemas.openxmlformats.org/markup-compatibility/2006">
               <mc:Choice xmlns:v="urn:schemas-microsoft-com:vml" Requires="v">
-                <p:oleObj spid="_x0000_s1116" name="Visio" r:id="rId3" imgW="5543702" imgH="1514564" progId="Visio.Drawing.15">
+                <p:oleObj spid="_x0000_s1121" name="Visio" r:id="rId3" imgW="5543702" imgH="1514564" progId="Visio.Drawing.15">
                   <p:embed/>
                 </p:oleObj>
               </mc:Choice>
@@ -14301,6 +14352,13 @@
       </p:transition>
     </mc:Fallback>
   </mc:AlternateContent>
+  <p:timing>
+    <p:tnLst>
+      <p:par>
+        <p:cTn id="1" dur="indefinite" restart="never" nodeType="tmRoot"/>
+      </p:par>
+    </p:tnLst>
+  </p:timing>
 </p:sld>
 </file>
 
@@ -14536,7 +14594,6 @@
               <a:rPr lang="en-US" dirty="0"/>
               <a:t>Methodology (Continued)</a:t>
             </a:r>
-            <a:endParaRPr lang="en-US" dirty="0"/>
           </a:p>
         </p:txBody>
       </p:sp>
@@ -14722,32 +14779,14 @@
               <a:rPr lang="en-US" dirty="0" smtClean="0">
                 <a:hlinkClick r:id="rId4"/>
               </a:rPr>
-              <a:t>Click here f</a:t>
-            </a:r>
-            <a:r>
-              <a:rPr lang="en-US" dirty="0" smtClean="0">
-                <a:hlinkClick r:id="rId4"/>
-              </a:rPr>
-              <a:t>or </a:t>
-            </a:r>
-            <a:r>
-              <a:rPr lang="en-US" dirty="0" smtClean="0">
-                <a:hlinkClick r:id="rId4"/>
-              </a:rPr>
-              <a:t>more </a:t>
-            </a:r>
-            <a:r>
-              <a:rPr lang="en-US" dirty="0" smtClean="0">
-                <a:hlinkClick r:id="rId4"/>
-              </a:rPr>
-              <a:t>details</a:t>
+              <a:t>Click here for more details</a:t>
             </a:r>
             <a:endParaRPr lang="en-US" dirty="0"/>
           </a:p>
         </p:txBody>
       </p:sp>
-      <mc:AlternateContent xmlns:mc="http://schemas.openxmlformats.org/markup-compatibility/2006">
-        <mc:Choice xmlns:a14="http://schemas.microsoft.com/office/drawing/2010/main" Requires="a14">
+      <mc:AlternateContent xmlns:mc="http://schemas.openxmlformats.org/markup-compatibility/2006" xmlns:a14="http://schemas.microsoft.com/office/drawing/2010/main">
+        <mc:Choice Requires="a14">
           <p:sp>
             <p:nvSpPr>
               <p:cNvPr id="10" name="TextBox 9"/>
@@ -14804,7 +14843,9 @@
                       <m:radPr>
                         <m:degHide m:val="on"/>
                         <m:ctrlPr>
-                          <a:rPr lang="en-US" i="1"/>
+                          <a:rPr lang="en-US" i="1">
+                            <a:latin typeface="Cambria Math" panose="02040503050406030204" pitchFamily="18" charset="0"/>
+                          </a:rPr>
                         </m:ctrlPr>
                       </m:radPr>
                       <m:deg/>
@@ -14812,31 +14853,41 @@
                         <m:f>
                           <m:fPr>
                             <m:ctrlPr>
-                              <a:rPr lang="en-US" i="1"/>
+                              <a:rPr lang="en-US" i="1">
+                                <a:latin typeface="Cambria Math" panose="02040503050406030204" pitchFamily="18" charset="0"/>
+                              </a:rPr>
                             </m:ctrlPr>
                           </m:fPr>
                           <m:num>
                             <m:sSup>
                               <m:sSupPr>
                                 <m:ctrlPr>
-                                  <a:rPr lang="en-US" i="1"/>
+                                  <a:rPr lang="en-US" i="1">
+                                    <a:latin typeface="Cambria Math" panose="02040503050406030204" pitchFamily="18" charset="0"/>
+                                  </a:rPr>
                                 </m:ctrlPr>
                               </m:sSupPr>
                               <m:e>
                                 <m:r>
-                                  <a:rPr lang="en-US" b="1" i="1"/>
+                                  <a:rPr lang="en-US" b="1" i="1">
+                                    <a:latin typeface="Cambria Math" panose="02040503050406030204" pitchFamily="18" charset="0"/>
+                                  </a:rPr>
                                   <m:t>𝐱</m:t>
                                 </m:r>
                               </m:e>
                               <m:sup>
                                 <m:r>
-                                  <a:rPr lang="en-US" b="1" i="1"/>
+                                  <a:rPr lang="en-US" b="1" i="1">
+                                    <a:latin typeface="Cambria Math" panose="02040503050406030204" pitchFamily="18" charset="0"/>
+                                  </a:rPr>
                                   <m:t>𝐓</m:t>
                                 </m:r>
                               </m:sup>
                             </m:sSup>
                             <m:r>
-                              <a:rPr lang="en-US" b="1" i="1"/>
+                              <a:rPr lang="en-US" b="1" i="1">
+                                <a:latin typeface="Cambria Math" panose="02040503050406030204" pitchFamily="18" charset="0"/>
+                              </a:rPr>
                               <m:t>𝐲</m:t>
                             </m:r>
                           </m:num>
@@ -14844,61 +14895,85 @@
                             <m:sSub>
                               <m:sSubPr>
                                 <m:ctrlPr>
-                                  <a:rPr lang="en-US" i="1"/>
+                                  <a:rPr lang="en-US" i="1">
+                                    <a:latin typeface="Cambria Math" panose="02040503050406030204" pitchFamily="18" charset="0"/>
+                                  </a:rPr>
                                 </m:ctrlPr>
                               </m:sSubPr>
                               <m:e>
                                 <m:r>
-                                  <a:rPr lang="en-US"/>
+                                  <a:rPr lang="en-US">
+                                    <a:latin typeface="Cambria Math" panose="02040503050406030204" pitchFamily="18" charset="0"/>
+                                  </a:rPr>
                                   <m:t>|</m:t>
                                 </m:r>
                                 <m:r>
-                                  <a:rPr lang="en-US" b="1" i="1"/>
+                                  <a:rPr lang="en-US" b="1" i="1">
+                                    <a:latin typeface="Cambria Math" panose="02040503050406030204" pitchFamily="18" charset="0"/>
+                                  </a:rPr>
                                   <m:t>𝐱</m:t>
                                 </m:r>
                                 <m:r>
-                                  <a:rPr lang="en-US"/>
+                                  <a:rPr lang="en-US">
+                                    <a:latin typeface="Cambria Math" panose="02040503050406030204" pitchFamily="18" charset="0"/>
+                                  </a:rPr>
                                   <m:t>|</m:t>
                                 </m:r>
                               </m:e>
                               <m:sub>
                                 <m:r>
-                                  <a:rPr lang="en-US"/>
+                                  <a:rPr lang="en-US">
+                                    <a:latin typeface="Cambria Math" panose="02040503050406030204" pitchFamily="18" charset="0"/>
+                                  </a:rPr>
                                   <m:t>2 </m:t>
                                 </m:r>
                               </m:sub>
                             </m:sSub>
                             <m:r>
-                              <a:rPr lang="en-US" i="1"/>
+                              <a:rPr lang="en-US" i="1">
+                                <a:latin typeface="Cambria Math" panose="02040503050406030204" pitchFamily="18" charset="0"/>
+                              </a:rPr>
                               <m:t>∗</m:t>
                             </m:r>
                             <m:r>
-                              <a:rPr lang="en-US"/>
+                              <a:rPr lang="en-US">
+                                <a:latin typeface="Cambria Math" panose="02040503050406030204" pitchFamily="18" charset="0"/>
+                              </a:rPr>
                               <m:t> </m:t>
                             </m:r>
                             <m:sSub>
                               <m:sSubPr>
                                 <m:ctrlPr>
-                                  <a:rPr lang="en-US" i="1"/>
+                                  <a:rPr lang="en-US" i="1">
+                                    <a:latin typeface="Cambria Math" panose="02040503050406030204" pitchFamily="18" charset="0"/>
+                                  </a:rPr>
                                 </m:ctrlPr>
                               </m:sSubPr>
                               <m:e>
                                 <m:r>
-                                  <a:rPr lang="en-US"/>
+                                  <a:rPr lang="en-US">
+                                    <a:latin typeface="Cambria Math" panose="02040503050406030204" pitchFamily="18" charset="0"/>
+                                  </a:rPr>
                                   <m:t>|</m:t>
                                 </m:r>
                                 <m:r>
-                                  <a:rPr lang="en-US" b="1" i="1"/>
+                                  <a:rPr lang="en-US" b="1" i="1">
+                                    <a:latin typeface="Cambria Math" panose="02040503050406030204" pitchFamily="18" charset="0"/>
+                                  </a:rPr>
                                   <m:t>𝐲</m:t>
                                 </m:r>
                                 <m:r>
-                                  <a:rPr lang="en-US"/>
+                                  <a:rPr lang="en-US">
+                                    <a:latin typeface="Cambria Math" panose="02040503050406030204" pitchFamily="18" charset="0"/>
+                                  </a:rPr>
                                   <m:t>|</m:t>
                                 </m:r>
                               </m:e>
                               <m:sub>
                                 <m:r>
-                                  <a:rPr lang="en-US"/>
+                                  <a:rPr lang="en-US">
+                                    <a:latin typeface="Cambria Math" panose="02040503050406030204" pitchFamily="18" charset="0"/>
+                                  </a:rPr>
                                   <m:t>2</m:t>
                                 </m:r>
                               </m:sub>
@@ -14914,7 +14989,7 @@
             </p:txBody>
           </p:sp>
         </mc:Choice>
-        <mc:Fallback>
+        <mc:Fallback xmlns="">
           <p:sp>
             <p:nvSpPr>
               <p:cNvPr id="10" name="TextBox 9"/>
@@ -15029,8 +15104,8 @@
           </a:p>
         </p:txBody>
       </p:sp>
-      <mc:AlternateContent xmlns:mc="http://schemas.openxmlformats.org/markup-compatibility/2006">
-        <mc:Choice xmlns:a14="http://schemas.microsoft.com/office/drawing/2010/main" Requires="a14">
+      <mc:AlternateContent xmlns:mc="http://schemas.openxmlformats.org/markup-compatibility/2006" xmlns:a14="http://schemas.microsoft.com/office/drawing/2010/main">
+        <mc:Choice Requires="a14">
           <p:sp>
             <p:nvSpPr>
               <p:cNvPr id="3" name="Content Placeholder 2"/>
@@ -15076,25 +15151,33 @@
                     <m:f>
                       <m:fPr>
                         <m:ctrlPr>
-                          <a:rPr lang="en-US" i="1"/>
+                          <a:rPr lang="en-US" i="1">
+                            <a:latin typeface="Cambria Math" panose="02040503050406030204" pitchFamily="18" charset="0"/>
+                          </a:rPr>
                         </m:ctrlPr>
                       </m:fPr>
                       <m:num>
                         <m:sSub>
                           <m:sSubPr>
                             <m:ctrlPr>
-                              <a:rPr lang="en-US" i="1"/>
+                              <a:rPr lang="en-US" i="1">
+                                <a:latin typeface="Cambria Math" panose="02040503050406030204" pitchFamily="18" charset="0"/>
+                              </a:rPr>
                             </m:ctrlPr>
                           </m:sSubPr>
                           <m:e>
                             <m:r>
-                              <a:rPr lang="en-US" i="1"/>
+                              <a:rPr lang="en-US" i="1">
+                                <a:latin typeface="Cambria Math" panose="02040503050406030204" pitchFamily="18" charset="0"/>
+                              </a:rPr>
                               <m:t>𝐶</m:t>
                             </m:r>
                           </m:e>
                           <m:sub>
                             <m:r>
-                              <a:rPr lang="en-US" i="1"/>
+                              <a:rPr lang="en-US" i="1">
+                                <a:latin typeface="Cambria Math" panose="02040503050406030204" pitchFamily="18" charset="0"/>
+                              </a:rPr>
                               <m:t>𝑖</m:t>
                             </m:r>
                           </m:sub>
@@ -15104,18 +15187,24 @@
                         <m:sSub>
                           <m:sSubPr>
                             <m:ctrlPr>
-                              <a:rPr lang="en-US" i="1"/>
+                              <a:rPr lang="en-US" i="1">
+                                <a:latin typeface="Cambria Math" panose="02040503050406030204" pitchFamily="18" charset="0"/>
+                              </a:rPr>
                             </m:ctrlPr>
                           </m:sSubPr>
                           <m:e>
                             <m:r>
-                              <a:rPr lang="en-US" i="1"/>
+                              <a:rPr lang="en-US" i="1">
+                                <a:latin typeface="Cambria Math" panose="02040503050406030204" pitchFamily="18" charset="0"/>
+                              </a:rPr>
                               <m:t>𝑁</m:t>
                             </m:r>
                           </m:e>
                           <m:sub>
                             <m:r>
-                              <a:rPr lang="en-US" i="1"/>
+                              <a:rPr lang="en-US" i="1">
+                                <a:latin typeface="Cambria Math" panose="02040503050406030204" pitchFamily="18" charset="0"/>
+                              </a:rPr>
                               <m:t>𝑖</m:t>
                             </m:r>
                           </m:sub>
@@ -15133,20 +15222,28 @@
                     <m:f>
                       <m:fPr>
                         <m:ctrlPr>
-                          <a:rPr lang="en-US" i="1"/>
+                          <a:rPr lang="en-US" i="1">
+                            <a:latin typeface="Cambria Math" panose="02040503050406030204" pitchFamily="18" charset="0"/>
+                          </a:rPr>
                         </m:ctrlPr>
                       </m:fPr>
                       <m:num>
                         <m:r>
-                          <a:rPr lang="en-US" i="1"/>
+                          <a:rPr lang="en-US" i="1">
+                            <a:latin typeface="Cambria Math" panose="02040503050406030204" pitchFamily="18" charset="0"/>
+                          </a:rPr>
                           <m:t># (</m:t>
                         </m:r>
                         <m:r>
-                          <a:rPr lang="en-US" i="1"/>
+                          <a:rPr lang="en-US" i="1">
+                            <a:latin typeface="Cambria Math" panose="02040503050406030204" pitchFamily="18" charset="0"/>
+                          </a:rPr>
                           <m:t>𝑐𝑜𝑟𝑟𝑒𝑐𝑡</m:t>
                         </m:r>
                         <m:r>
-                          <a:rPr lang="en-US" i="1"/>
+                          <a:rPr lang="en-US" i="1">
+                            <a:latin typeface="Cambria Math" panose="02040503050406030204" pitchFamily="18" charset="0"/>
+                          </a:rPr>
                           <m:t> </m:t>
                         </m:r>
                         <m:nary>
@@ -15155,30 +15252,40 @@
                             <m:subHide m:val="on"/>
                             <m:supHide m:val="on"/>
                             <m:ctrlPr>
-                              <a:rPr lang="en-US" i="1"/>
+                              <a:rPr lang="en-US" i="1">
+                                <a:latin typeface="Cambria Math" panose="02040503050406030204" pitchFamily="18" charset="0"/>
+                              </a:rPr>
                             </m:ctrlPr>
                           </m:naryPr>
                           <m:sub/>
                           <m:sup/>
                           <m:e>
                             <m:r>
-                              <a:rPr lang="en-US" i="1"/>
+                              <a:rPr lang="en-US" i="1">
+                                <a:latin typeface="Cambria Math" panose="02040503050406030204" pitchFamily="18" charset="0"/>
+                              </a:rPr>
                               <m:t>𝑟𝑒𝑐𝑜𝑣𝑒𝑟𝑒𝑑</m:t>
                             </m:r>
                           </m:e>
                         </m:nary>
                         <m:r>
-                          <a:rPr lang="en-US" i="1"/>
+                          <a:rPr lang="en-US" i="1">
+                            <a:latin typeface="Cambria Math" panose="02040503050406030204" pitchFamily="18" charset="0"/>
+                          </a:rPr>
                           <m:t>)</m:t>
                         </m:r>
                       </m:num>
                       <m:den>
                         <m:r>
-                          <a:rPr lang="en-US" i="1"/>
+                          <a:rPr lang="en-US" i="1">
+                            <a:latin typeface="Cambria Math" panose="02040503050406030204" pitchFamily="18" charset="0"/>
+                          </a:rPr>
                           <m:t># </m:t>
                         </m:r>
                         <m:r>
-                          <a:rPr lang="en-US" i="1"/>
+                          <a:rPr lang="en-US" i="1">
+                            <a:latin typeface="Cambria Math" panose="02040503050406030204" pitchFamily="18" charset="0"/>
+                          </a:rPr>
                           <m:t>𝑟𝑒𝑐𝑜𝑣𝑒𝑟𝑒𝑑</m:t>
                         </m:r>
                       </m:den>
@@ -15219,25 +15326,33 @@
                     <m:f>
                       <m:fPr>
                         <m:ctrlPr>
-                          <a:rPr lang="en-US" i="1"/>
+                          <a:rPr lang="en-US" i="1">
+                            <a:latin typeface="Cambria Math" panose="02040503050406030204" pitchFamily="18" charset="0"/>
+                          </a:rPr>
                         </m:ctrlPr>
                       </m:fPr>
                       <m:num>
                         <m:sSub>
                           <m:sSubPr>
                             <m:ctrlPr>
-                              <a:rPr lang="en-US" i="1"/>
+                              <a:rPr lang="en-US" i="1">
+                                <a:latin typeface="Cambria Math" panose="02040503050406030204" pitchFamily="18" charset="0"/>
+                              </a:rPr>
                             </m:ctrlPr>
                           </m:sSubPr>
                           <m:e>
                             <m:r>
-                              <a:rPr lang="en-US" i="1"/>
+                              <a:rPr lang="en-US" i="1">
+                                <a:latin typeface="Cambria Math" panose="02040503050406030204" pitchFamily="18" charset="0"/>
+                              </a:rPr>
                               <m:t>𝐶</m:t>
                             </m:r>
                           </m:e>
                           <m:sub>
                             <m:r>
-                              <a:rPr lang="en-US" i="1"/>
+                              <a:rPr lang="en-US" i="1">
+                                <a:latin typeface="Cambria Math" panose="02040503050406030204" pitchFamily="18" charset="0"/>
+                              </a:rPr>
                               <m:t>𝑖</m:t>
                             </m:r>
                           </m:sub>
@@ -15247,18 +15362,24 @@
                         <m:sSub>
                           <m:sSubPr>
                             <m:ctrlPr>
-                              <a:rPr lang="en-US" i="1"/>
+                              <a:rPr lang="en-US" i="1">
+                                <a:latin typeface="Cambria Math" panose="02040503050406030204" pitchFamily="18" charset="0"/>
+                              </a:rPr>
                             </m:ctrlPr>
                           </m:sSubPr>
                           <m:e>
                             <m:r>
-                              <a:rPr lang="en-US" i="1"/>
+                              <a:rPr lang="en-US" i="1">
+                                <a:latin typeface="Cambria Math" panose="02040503050406030204" pitchFamily="18" charset="0"/>
+                              </a:rPr>
                               <m:t>𝑅</m:t>
                             </m:r>
                           </m:e>
                           <m:sub>
                             <m:r>
-                              <a:rPr lang="en-US" i="1"/>
+                              <a:rPr lang="en-US" i="1">
+                                <a:latin typeface="Cambria Math" panose="02040503050406030204" pitchFamily="18" charset="0"/>
+                              </a:rPr>
                               <m:t>𝑖</m:t>
                             </m:r>
                           </m:sub>
@@ -15276,20 +15397,28 @@
                     <m:f>
                       <m:fPr>
                         <m:ctrlPr>
-                          <a:rPr lang="en-US" i="1"/>
+                          <a:rPr lang="en-US" i="1">
+                            <a:latin typeface="Cambria Math" panose="02040503050406030204" pitchFamily="18" charset="0"/>
+                          </a:rPr>
                         </m:ctrlPr>
                       </m:fPr>
                       <m:num>
                         <m:r>
-                          <a:rPr lang="en-US" i="1"/>
+                          <a:rPr lang="en-US" i="1">
+                            <a:latin typeface="Cambria Math" panose="02040503050406030204" pitchFamily="18" charset="0"/>
+                          </a:rPr>
                           <m:t># (</m:t>
                         </m:r>
                         <m:r>
-                          <a:rPr lang="en-US" i="1"/>
+                          <a:rPr lang="en-US" i="1">
+                            <a:latin typeface="Cambria Math" panose="02040503050406030204" pitchFamily="18" charset="0"/>
+                          </a:rPr>
                           <m:t>𝑐𝑜𝑟𝑟𝑒𝑐𝑡</m:t>
                         </m:r>
                         <m:r>
-                          <a:rPr lang="en-US" i="1"/>
+                          <a:rPr lang="en-US" i="1">
+                            <a:latin typeface="Cambria Math" panose="02040503050406030204" pitchFamily="18" charset="0"/>
+                          </a:rPr>
                           <m:t> </m:t>
                         </m:r>
                         <m:nary>
@@ -15298,30 +15427,40 @@
                             <m:subHide m:val="on"/>
                             <m:supHide m:val="on"/>
                             <m:ctrlPr>
-                              <a:rPr lang="en-US" i="1"/>
+                              <a:rPr lang="en-US" i="1">
+                                <a:latin typeface="Cambria Math" panose="02040503050406030204" pitchFamily="18" charset="0"/>
+                              </a:rPr>
                             </m:ctrlPr>
                           </m:naryPr>
                           <m:sub/>
                           <m:sup/>
                           <m:e>
                             <m:r>
-                              <a:rPr lang="en-US" i="1"/>
+                              <a:rPr lang="en-US" i="1">
+                                <a:latin typeface="Cambria Math" panose="02040503050406030204" pitchFamily="18" charset="0"/>
+                              </a:rPr>
                               <m:t>𝑟𝑒𝑐𝑜𝑣𝑒𝑟𝑒𝑑</m:t>
                             </m:r>
                           </m:e>
                         </m:nary>
                         <m:r>
-                          <a:rPr lang="en-US" i="1"/>
+                          <a:rPr lang="en-US" i="1">
+                            <a:latin typeface="Cambria Math" panose="02040503050406030204" pitchFamily="18" charset="0"/>
+                          </a:rPr>
                           <m:t>)</m:t>
                         </m:r>
                       </m:num>
                       <m:den>
                         <m:r>
-                          <a:rPr lang="en-US" i="1"/>
+                          <a:rPr lang="en-US" i="1">
+                            <a:latin typeface="Cambria Math" panose="02040503050406030204" pitchFamily="18" charset="0"/>
+                          </a:rPr>
                           <m:t># </m:t>
                         </m:r>
                         <m:r>
-                          <a:rPr lang="en-US" i="1"/>
+                          <a:rPr lang="en-US" i="1">
+                            <a:latin typeface="Cambria Math" panose="02040503050406030204" pitchFamily="18" charset="0"/>
+                          </a:rPr>
                           <m:t>𝑐𝑜𝑟𝑟𝑒𝑐𝑡</m:t>
                         </m:r>
                       </m:den>
@@ -15341,7 +15480,7 @@
             </p:txBody>
           </p:sp>
         </mc:Choice>
-        <mc:Fallback>
+        <mc:Fallback xmlns="">
           <p:sp>
             <p:nvSpPr>
               <p:cNvPr id="3" name="Content Placeholder 2"/>
@@ -15466,6 +15605,13 @@
       </p:transition>
     </mc:Fallback>
   </mc:AlternateContent>
+  <p:timing>
+    <p:tnLst>
+      <p:par>
+        <p:cTn id="1" dur="indefinite" restart="never" nodeType="tmRoot"/>
+      </p:par>
+    </p:tnLst>
+  </p:timing>
 </p:sld>
 </file>
 
@@ -16721,6 +16867,15 @@
 </file>
 
 <file path=customXml/item1.xml><?xml version="1.0" encoding="utf-8"?>
+<?mso-contentType ?>
+<FormTemplates xmlns="http://schemas.microsoft.com/sharepoint/v3/contenttype/forms">
+  <Display>DocumentLibraryForm</Display>
+  <Edit>AssetEditForm</Edit>
+  <New>DocumentLibraryForm</New>
+</FormTemplates>
+</file>
+
+<file path=customXml/item2.xml><?xml version="1.0" encoding="utf-8"?>
 <p:properties xmlns:p="http://schemas.microsoft.com/office/2006/metadata/properties" xmlns:xsi="http://www.w3.org/2001/XMLSchema-instance" xmlns:pc="http://schemas.microsoft.com/office/infopath/2007/PartnerControls">
   <documentManagement>
     <APDescription xmlns="4873beb7-5857-4685-be1f-d57550cc96cc" xsi:nil="true"/>
@@ -16844,15 +16999,6 @@
     <UANotes xmlns="4873beb7-5857-4685-be1f-d57550cc96cc" xsi:nil="true"/>
   </documentManagement>
 </p:properties>
-</file>
-
-<file path=customXml/item2.xml><?xml version="1.0" encoding="utf-8"?>
-<?mso-contentType ?>
-<FormTemplates xmlns="http://schemas.microsoft.com/sharepoint/v3/contenttype/forms">
-  <Display>DocumentLibraryForm</Display>
-  <Edit>AssetEditForm</Edit>
-  <New>DocumentLibraryForm</New>
-</FormTemplates>
 </file>
 
 <file path=customXml/item3.xml><?xml version="1.0" encoding="utf-8"?>
@@ -17896,6 +18042,14 @@
 </file>
 
 <file path=customXml/itemProps1.xml><?xml version="1.0" encoding="utf-8"?>
+<ds:datastoreItem xmlns:ds="http://schemas.openxmlformats.org/officeDocument/2006/customXml" ds:itemID="{561E720F-F05D-4536-9C34-0CFCED65D3B7}">
+  <ds:schemaRefs>
+    <ds:schemaRef ds:uri="http://schemas.microsoft.com/sharepoint/v3/contenttype/forms"/>
+  </ds:schemaRefs>
+</ds:datastoreItem>
+</file>
+
+<file path=customXml/itemProps2.xml><?xml version="1.0" encoding="utf-8"?>
 <ds:datastoreItem xmlns:ds="http://schemas.openxmlformats.org/officeDocument/2006/customXml" ds:itemID="{8CDDBB83-77C1-4099-A0AA-289882E745E2}">
   <ds:schemaRefs>
     <ds:schemaRef ds:uri="http://schemas.openxmlformats.org/package/2006/metadata/core-properties"/>
@@ -17907,14 +18061,6 @@
     <ds:schemaRef ds:uri="http://purl.org/dc/terms/"/>
     <ds:schemaRef ds:uri="http://purl.org/dc/elements/1.1/"/>
     <ds:schemaRef ds:uri="http://www.w3.org/XML/1998/namespace"/>
-  </ds:schemaRefs>
-</ds:datastoreItem>
-</file>
-
-<file path=customXml/itemProps2.xml><?xml version="1.0" encoding="utf-8"?>
-<ds:datastoreItem xmlns:ds="http://schemas.openxmlformats.org/officeDocument/2006/customXml" ds:itemID="{561E720F-F05D-4536-9C34-0CFCED65D3B7}">
-  <ds:schemaRefs>
-    <ds:schemaRef ds:uri="http://schemas.microsoft.com/sharepoint/v3/contenttype/forms"/>
   </ds:schemaRefs>
 </ds:datastoreItem>
 </file>
